--- a/Fundamentos LLMs - notas.pptx
+++ b/Fundamentos LLMs - notas.pptx
@@ -5,7 +5,7 @@
     <p:sldMasterId id="2147483648" r:id="rId1"/>
   </p:sldMasterIdLst>
   <p:notesMasterIdLst>
-    <p:notesMasterId r:id="rId11"/>
+    <p:notesMasterId r:id="rId17"/>
   </p:notesMasterIdLst>
   <p:sldIdLst>
     <p:sldId id="256" r:id="rId2"/>
@@ -17,6 +17,12 @@
     <p:sldId id="263" r:id="rId8"/>
     <p:sldId id="264" r:id="rId9"/>
     <p:sldId id="265" r:id="rId10"/>
+    <p:sldId id="266" r:id="rId11"/>
+    <p:sldId id="270" r:id="rId12"/>
+    <p:sldId id="271" r:id="rId13"/>
+    <p:sldId id="272" r:id="rId14"/>
+    <p:sldId id="273" r:id="rId15"/>
+    <p:sldId id="274" r:id="rId16"/>
   </p:sldIdLst>
   <p:sldSz cx="12192000" cy="6858000"/>
   <p:notesSz cx="6858000" cy="9144000"/>
@@ -126,9 +132,133 @@
 <file path=ppt/revisionInfo.xml><?xml version="1.0" encoding="utf-8"?>
 <p1510:revInfo xmlns:a="http://schemas.openxmlformats.org/drawingml/2006/main" xmlns:r="http://schemas.openxmlformats.org/officeDocument/2006/relationships" xmlns:p1510="http://schemas.microsoft.com/office/powerpoint/2015/10/main">
   <p1510:revLst>
-    <p1510:client id="{164C4EE9-AD3E-D749-9342-38968489C94D}" v="39" dt="2024-01-04T15:52:32.057"/>
+    <p1510:client id="{57C78E6D-457D-EA4D-8FEF-1E7F23749579}" v="1" dt="2024-01-05T13:10:39.749"/>
   </p1510:revLst>
 </p1510:revInfo>
+</file>
+
+<file path=ppt/changesInfos/changesInfo1.xml><?xml version="1.0" encoding="utf-8"?>
+<pc:chgInfo xmlns:a="http://schemas.openxmlformats.org/drawingml/2006/main" xmlns:r="http://schemas.openxmlformats.org/officeDocument/2006/relationships" xmlns:ac="http://schemas.microsoft.com/office/drawing/2013/main/command" xmlns:pc="http://schemas.microsoft.com/office/powerpoint/2013/main/command">
+  <pc:docChgLst>
+    <pc:chgData name="Germán CM" userId="0a866f0db4a55830" providerId="LiveId" clId="{57C78E6D-457D-EA4D-8FEF-1E7F23749579}"/>
+    <pc:docChg chg="custSel addSld delSld modSld">
+      <pc:chgData name="Germán CM" userId="0a866f0db4a55830" providerId="LiveId" clId="{57C78E6D-457D-EA4D-8FEF-1E7F23749579}" dt="2024-01-05T13:10:58.356" v="21" actId="14100"/>
+      <pc:docMkLst>
+        <pc:docMk/>
+      </pc:docMkLst>
+      <pc:sldChg chg="addSp modSp mod">
+        <pc:chgData name="Germán CM" userId="0a866f0db4a55830" providerId="LiveId" clId="{57C78E6D-457D-EA4D-8FEF-1E7F23749579}" dt="2024-01-05T13:10:58.356" v="21" actId="14100"/>
+        <pc:sldMkLst>
+          <pc:docMk/>
+          <pc:sldMk cId="1110858557" sldId="262"/>
+        </pc:sldMkLst>
+        <pc:picChg chg="mod">
+          <ac:chgData name="Germán CM" userId="0a866f0db4a55830" providerId="LiveId" clId="{57C78E6D-457D-EA4D-8FEF-1E7F23749579}" dt="2024-01-05T13:10:49.553" v="19" actId="1076"/>
+          <ac:picMkLst>
+            <pc:docMk/>
+            <pc:sldMk cId="1110858557" sldId="262"/>
+            <ac:picMk id="3" creationId="{C1C0A7E7-3D55-3A28-3903-EEB2C4F1E4C4}"/>
+          </ac:picMkLst>
+        </pc:picChg>
+        <pc:picChg chg="add mod">
+          <ac:chgData name="Germán CM" userId="0a866f0db4a55830" providerId="LiveId" clId="{57C78E6D-457D-EA4D-8FEF-1E7F23749579}" dt="2024-01-05T13:10:58.356" v="21" actId="14100"/>
+          <ac:picMkLst>
+            <pc:docMk/>
+            <pc:sldMk cId="1110858557" sldId="262"/>
+            <ac:picMk id="4" creationId="{118C9036-9B6E-1332-76D9-F1269F97A5C9}"/>
+          </ac:picMkLst>
+        </pc:picChg>
+      </pc:sldChg>
+      <pc:sldChg chg="delSp new mod">
+        <pc:chgData name="Germán CM" userId="0a866f0db4a55830" providerId="LiveId" clId="{57C78E6D-457D-EA4D-8FEF-1E7F23749579}" dt="2024-01-05T10:26:53.841" v="6" actId="478"/>
+        <pc:sldMkLst>
+          <pc:docMk/>
+          <pc:sldMk cId="1669565517" sldId="266"/>
+        </pc:sldMkLst>
+        <pc:spChg chg="del">
+          <ac:chgData name="Germán CM" userId="0a866f0db4a55830" providerId="LiveId" clId="{57C78E6D-457D-EA4D-8FEF-1E7F23749579}" dt="2024-01-05T10:26:49.734" v="4" actId="478"/>
+          <ac:spMkLst>
+            <pc:docMk/>
+            <pc:sldMk cId="1669565517" sldId="266"/>
+            <ac:spMk id="2" creationId="{62F1678F-BD26-6C73-6AEC-B93585D9DD4A}"/>
+          </ac:spMkLst>
+        </pc:spChg>
+        <pc:spChg chg="del">
+          <ac:chgData name="Germán CM" userId="0a866f0db4a55830" providerId="LiveId" clId="{57C78E6D-457D-EA4D-8FEF-1E7F23749579}" dt="2024-01-05T10:26:51.524" v="5" actId="478"/>
+          <ac:spMkLst>
+            <pc:docMk/>
+            <pc:sldMk cId="1669565517" sldId="266"/>
+            <ac:spMk id="3" creationId="{40763599-1A75-51C3-4A72-5682714F015C}"/>
+          </ac:spMkLst>
+        </pc:spChg>
+        <pc:spChg chg="del">
+          <ac:chgData name="Germán CM" userId="0a866f0db4a55830" providerId="LiveId" clId="{57C78E6D-457D-EA4D-8FEF-1E7F23749579}" dt="2024-01-05T10:26:53.841" v="6" actId="478"/>
+          <ac:spMkLst>
+            <pc:docMk/>
+            <pc:sldMk cId="1669565517" sldId="266"/>
+            <ac:spMk id="4" creationId="{1C729AEB-81D3-3CFC-03DB-BEFD51113D55}"/>
+          </ac:spMkLst>
+        </pc:spChg>
+      </pc:sldChg>
+      <pc:sldChg chg="add del mod modShow">
+        <pc:chgData name="Germán CM" userId="0a866f0db4a55830" providerId="LiveId" clId="{57C78E6D-457D-EA4D-8FEF-1E7F23749579}" dt="2024-01-05T10:27:19.575" v="13" actId="2696"/>
+        <pc:sldMkLst>
+          <pc:docMk/>
+          <pc:sldMk cId="802326155" sldId="267"/>
+        </pc:sldMkLst>
+      </pc:sldChg>
+      <pc:sldChg chg="add del">
+        <pc:chgData name="Germán CM" userId="0a866f0db4a55830" providerId="LiveId" clId="{57C78E6D-457D-EA4D-8FEF-1E7F23749579}" dt="2024-01-05T10:27:22.842" v="14" actId="2696"/>
+        <pc:sldMkLst>
+          <pc:docMk/>
+          <pc:sldMk cId="2908845890" sldId="268"/>
+        </pc:sldMkLst>
+      </pc:sldChg>
+      <pc:sldChg chg="add del">
+        <pc:chgData name="Germán CM" userId="0a866f0db4a55830" providerId="LiveId" clId="{57C78E6D-457D-EA4D-8FEF-1E7F23749579}" dt="2024-01-05T10:27:25.920" v="15" actId="2696"/>
+        <pc:sldMkLst>
+          <pc:docMk/>
+          <pc:sldMk cId="722362201" sldId="269"/>
+        </pc:sldMkLst>
+      </pc:sldChg>
+      <pc:sldChg chg="add">
+        <pc:chgData name="Germán CM" userId="0a866f0db4a55830" providerId="LiveId" clId="{57C78E6D-457D-EA4D-8FEF-1E7F23749579}" dt="2024-01-05T10:26:56.600" v="7" actId="2890"/>
+        <pc:sldMkLst>
+          <pc:docMk/>
+          <pc:sldMk cId="2661757542" sldId="270"/>
+        </pc:sldMkLst>
+      </pc:sldChg>
+      <pc:sldChg chg="add">
+        <pc:chgData name="Germán CM" userId="0a866f0db4a55830" providerId="LiveId" clId="{57C78E6D-457D-EA4D-8FEF-1E7F23749579}" dt="2024-01-05T10:26:57.477" v="8" actId="2890"/>
+        <pc:sldMkLst>
+          <pc:docMk/>
+          <pc:sldMk cId="3633654937" sldId="271"/>
+        </pc:sldMkLst>
+      </pc:sldChg>
+      <pc:sldChg chg="add">
+        <pc:chgData name="Germán CM" userId="0a866f0db4a55830" providerId="LiveId" clId="{57C78E6D-457D-EA4D-8FEF-1E7F23749579}" dt="2024-01-05T10:26:57.857" v="9" actId="2890"/>
+        <pc:sldMkLst>
+          <pc:docMk/>
+          <pc:sldMk cId="432197474" sldId="272"/>
+        </pc:sldMkLst>
+      </pc:sldChg>
+      <pc:sldChg chg="add">
+        <pc:chgData name="Germán CM" userId="0a866f0db4a55830" providerId="LiveId" clId="{57C78E6D-457D-EA4D-8FEF-1E7F23749579}" dt="2024-01-05T10:26:59.545" v="10" actId="2890"/>
+        <pc:sldMkLst>
+          <pc:docMk/>
+          <pc:sldMk cId="3153991101" sldId="273"/>
+        </pc:sldMkLst>
+      </pc:sldChg>
+      <pc:sldChg chg="add">
+        <pc:chgData name="Germán CM" userId="0a866f0db4a55830" providerId="LiveId" clId="{57C78E6D-457D-EA4D-8FEF-1E7F23749579}" dt="2024-01-05T10:26:59.663" v="11" actId="2890"/>
+        <pc:sldMkLst>
+          <pc:docMk/>
+          <pc:sldMk cId="3703038104" sldId="274"/>
+        </pc:sldMkLst>
+      </pc:sldChg>
+    </pc:docChg>
+  </pc:docChgLst>
+</pc:chgInfo>
 </file>
 
 <file path=ppt/ink/ink1.xml><?xml version="1.0" encoding="utf-8"?>
@@ -6814,6 +6944,360 @@
     <p:extLst>
       <p:ext uri="{BB962C8B-B14F-4D97-AF65-F5344CB8AC3E}">
         <p14:creationId xmlns:p14="http://schemas.microsoft.com/office/powerpoint/2010/main" val="3771015730"/>
+      </p:ext>
+    </p:extLst>
+  </p:cSld>
+  <p:clrMapOvr>
+    <a:masterClrMapping/>
+  </p:clrMapOvr>
+</p:sld>
+</file>
+
+<file path=ppt/slides/slide10.xml><?xml version="1.0" encoding="utf-8"?>
+<p:sld xmlns:a="http://schemas.openxmlformats.org/drawingml/2006/main" xmlns:r="http://schemas.openxmlformats.org/officeDocument/2006/relationships" xmlns:p="http://schemas.openxmlformats.org/presentationml/2006/main">
+  <p:cSld>
+    <p:spTree>
+      <p:nvGrpSpPr>
+        <p:cNvPr id="1" name=""/>
+        <p:cNvGrpSpPr/>
+        <p:nvPr/>
+      </p:nvGrpSpPr>
+      <p:grpSpPr>
+        <a:xfrm>
+          <a:off x="0" y="0"/>
+          <a:ext cx="0" cy="0"/>
+          <a:chOff x="0" y="0"/>
+          <a:chExt cx="0" cy="0"/>
+        </a:xfrm>
+      </p:grpSpPr>
+      <p:sp>
+        <p:nvSpPr>
+          <p:cNvPr id="5" name="Marcador de número de diapositiva 4">
+            <a:extLst>
+              <a:ext uri="{FF2B5EF4-FFF2-40B4-BE49-F238E27FC236}">
+                <a16:creationId xmlns:a16="http://schemas.microsoft.com/office/drawing/2014/main" id="{CD934C94-1295-9720-A4C4-D6F085238A89}"/>
+              </a:ext>
+            </a:extLst>
+          </p:cNvPr>
+          <p:cNvSpPr>
+            <a:spLocks noGrp="1"/>
+          </p:cNvSpPr>
+          <p:nvPr>
+            <p:ph type="sldNum" sz="quarter" idx="12"/>
+          </p:nvPr>
+        </p:nvSpPr>
+        <p:spPr/>
+        <p:txBody>
+          <a:bodyPr/>
+          <a:lstStyle/>
+          <a:p>
+            <a:fld id="{E1BF4B5F-C7C2-9E4B-90D7-6F404CF8882D}" type="slidenum">
+              <a:rPr lang="es-ES" smtClean="0"/>
+              <a:t>10</a:t>
+            </a:fld>
+            <a:endParaRPr lang="es-ES"/>
+          </a:p>
+        </p:txBody>
+      </p:sp>
+    </p:spTree>
+    <p:extLst>
+      <p:ext uri="{BB962C8B-B14F-4D97-AF65-F5344CB8AC3E}">
+        <p14:creationId xmlns:p14="http://schemas.microsoft.com/office/powerpoint/2010/main" val="1669565517"/>
+      </p:ext>
+    </p:extLst>
+  </p:cSld>
+  <p:clrMapOvr>
+    <a:masterClrMapping/>
+  </p:clrMapOvr>
+</p:sld>
+</file>
+
+<file path=ppt/slides/slide11.xml><?xml version="1.0" encoding="utf-8"?>
+<p:sld xmlns:a="http://schemas.openxmlformats.org/drawingml/2006/main" xmlns:r="http://schemas.openxmlformats.org/officeDocument/2006/relationships" xmlns:p="http://schemas.openxmlformats.org/presentationml/2006/main">
+  <p:cSld>
+    <p:spTree>
+      <p:nvGrpSpPr>
+        <p:cNvPr id="1" name=""/>
+        <p:cNvGrpSpPr/>
+        <p:nvPr/>
+      </p:nvGrpSpPr>
+      <p:grpSpPr>
+        <a:xfrm>
+          <a:off x="0" y="0"/>
+          <a:ext cx="0" cy="0"/>
+          <a:chOff x="0" y="0"/>
+          <a:chExt cx="0" cy="0"/>
+        </a:xfrm>
+      </p:grpSpPr>
+      <p:sp>
+        <p:nvSpPr>
+          <p:cNvPr id="5" name="Marcador de número de diapositiva 4">
+            <a:extLst>
+              <a:ext uri="{FF2B5EF4-FFF2-40B4-BE49-F238E27FC236}">
+                <a16:creationId xmlns:a16="http://schemas.microsoft.com/office/drawing/2014/main" id="{CD934C94-1295-9720-A4C4-D6F085238A89}"/>
+              </a:ext>
+            </a:extLst>
+          </p:cNvPr>
+          <p:cNvSpPr>
+            <a:spLocks noGrp="1"/>
+          </p:cNvSpPr>
+          <p:nvPr>
+            <p:ph type="sldNum" sz="quarter" idx="12"/>
+          </p:nvPr>
+        </p:nvSpPr>
+        <p:spPr/>
+        <p:txBody>
+          <a:bodyPr/>
+          <a:lstStyle/>
+          <a:p>
+            <a:fld id="{E1BF4B5F-C7C2-9E4B-90D7-6F404CF8882D}" type="slidenum">
+              <a:rPr lang="es-ES" smtClean="0"/>
+              <a:t>11</a:t>
+            </a:fld>
+            <a:endParaRPr lang="es-ES"/>
+          </a:p>
+        </p:txBody>
+      </p:sp>
+    </p:spTree>
+    <p:extLst>
+      <p:ext uri="{BB962C8B-B14F-4D97-AF65-F5344CB8AC3E}">
+        <p14:creationId xmlns:p14="http://schemas.microsoft.com/office/powerpoint/2010/main" val="2661757542"/>
+      </p:ext>
+    </p:extLst>
+  </p:cSld>
+  <p:clrMapOvr>
+    <a:masterClrMapping/>
+  </p:clrMapOvr>
+</p:sld>
+</file>
+
+<file path=ppt/slides/slide12.xml><?xml version="1.0" encoding="utf-8"?>
+<p:sld xmlns:a="http://schemas.openxmlformats.org/drawingml/2006/main" xmlns:r="http://schemas.openxmlformats.org/officeDocument/2006/relationships" xmlns:p="http://schemas.openxmlformats.org/presentationml/2006/main">
+  <p:cSld>
+    <p:spTree>
+      <p:nvGrpSpPr>
+        <p:cNvPr id="1" name=""/>
+        <p:cNvGrpSpPr/>
+        <p:nvPr/>
+      </p:nvGrpSpPr>
+      <p:grpSpPr>
+        <a:xfrm>
+          <a:off x="0" y="0"/>
+          <a:ext cx="0" cy="0"/>
+          <a:chOff x="0" y="0"/>
+          <a:chExt cx="0" cy="0"/>
+        </a:xfrm>
+      </p:grpSpPr>
+      <p:sp>
+        <p:nvSpPr>
+          <p:cNvPr id="5" name="Marcador de número de diapositiva 4">
+            <a:extLst>
+              <a:ext uri="{FF2B5EF4-FFF2-40B4-BE49-F238E27FC236}">
+                <a16:creationId xmlns:a16="http://schemas.microsoft.com/office/drawing/2014/main" id="{CD934C94-1295-9720-A4C4-D6F085238A89}"/>
+              </a:ext>
+            </a:extLst>
+          </p:cNvPr>
+          <p:cNvSpPr>
+            <a:spLocks noGrp="1"/>
+          </p:cNvSpPr>
+          <p:nvPr>
+            <p:ph type="sldNum" sz="quarter" idx="12"/>
+          </p:nvPr>
+        </p:nvSpPr>
+        <p:spPr/>
+        <p:txBody>
+          <a:bodyPr/>
+          <a:lstStyle/>
+          <a:p>
+            <a:fld id="{E1BF4B5F-C7C2-9E4B-90D7-6F404CF8882D}" type="slidenum">
+              <a:rPr lang="es-ES" smtClean="0"/>
+              <a:t>12</a:t>
+            </a:fld>
+            <a:endParaRPr lang="es-ES"/>
+          </a:p>
+        </p:txBody>
+      </p:sp>
+    </p:spTree>
+    <p:extLst>
+      <p:ext uri="{BB962C8B-B14F-4D97-AF65-F5344CB8AC3E}">
+        <p14:creationId xmlns:p14="http://schemas.microsoft.com/office/powerpoint/2010/main" val="3633654937"/>
+      </p:ext>
+    </p:extLst>
+  </p:cSld>
+  <p:clrMapOvr>
+    <a:masterClrMapping/>
+  </p:clrMapOvr>
+</p:sld>
+</file>
+
+<file path=ppt/slides/slide13.xml><?xml version="1.0" encoding="utf-8"?>
+<p:sld xmlns:a="http://schemas.openxmlformats.org/drawingml/2006/main" xmlns:r="http://schemas.openxmlformats.org/officeDocument/2006/relationships" xmlns:p="http://schemas.openxmlformats.org/presentationml/2006/main">
+  <p:cSld>
+    <p:spTree>
+      <p:nvGrpSpPr>
+        <p:cNvPr id="1" name=""/>
+        <p:cNvGrpSpPr/>
+        <p:nvPr/>
+      </p:nvGrpSpPr>
+      <p:grpSpPr>
+        <a:xfrm>
+          <a:off x="0" y="0"/>
+          <a:ext cx="0" cy="0"/>
+          <a:chOff x="0" y="0"/>
+          <a:chExt cx="0" cy="0"/>
+        </a:xfrm>
+      </p:grpSpPr>
+      <p:sp>
+        <p:nvSpPr>
+          <p:cNvPr id="5" name="Marcador de número de diapositiva 4">
+            <a:extLst>
+              <a:ext uri="{FF2B5EF4-FFF2-40B4-BE49-F238E27FC236}">
+                <a16:creationId xmlns:a16="http://schemas.microsoft.com/office/drawing/2014/main" id="{CD934C94-1295-9720-A4C4-D6F085238A89}"/>
+              </a:ext>
+            </a:extLst>
+          </p:cNvPr>
+          <p:cNvSpPr>
+            <a:spLocks noGrp="1"/>
+          </p:cNvSpPr>
+          <p:nvPr>
+            <p:ph type="sldNum" sz="quarter" idx="12"/>
+          </p:nvPr>
+        </p:nvSpPr>
+        <p:spPr/>
+        <p:txBody>
+          <a:bodyPr/>
+          <a:lstStyle/>
+          <a:p>
+            <a:fld id="{E1BF4B5F-C7C2-9E4B-90D7-6F404CF8882D}" type="slidenum">
+              <a:rPr lang="es-ES" smtClean="0"/>
+              <a:t>13</a:t>
+            </a:fld>
+            <a:endParaRPr lang="es-ES"/>
+          </a:p>
+        </p:txBody>
+      </p:sp>
+    </p:spTree>
+    <p:extLst>
+      <p:ext uri="{BB962C8B-B14F-4D97-AF65-F5344CB8AC3E}">
+        <p14:creationId xmlns:p14="http://schemas.microsoft.com/office/powerpoint/2010/main" val="432197474"/>
+      </p:ext>
+    </p:extLst>
+  </p:cSld>
+  <p:clrMapOvr>
+    <a:masterClrMapping/>
+  </p:clrMapOvr>
+</p:sld>
+</file>
+
+<file path=ppt/slides/slide14.xml><?xml version="1.0" encoding="utf-8"?>
+<p:sld xmlns:a="http://schemas.openxmlformats.org/drawingml/2006/main" xmlns:r="http://schemas.openxmlformats.org/officeDocument/2006/relationships" xmlns:p="http://schemas.openxmlformats.org/presentationml/2006/main">
+  <p:cSld>
+    <p:spTree>
+      <p:nvGrpSpPr>
+        <p:cNvPr id="1" name=""/>
+        <p:cNvGrpSpPr/>
+        <p:nvPr/>
+      </p:nvGrpSpPr>
+      <p:grpSpPr>
+        <a:xfrm>
+          <a:off x="0" y="0"/>
+          <a:ext cx="0" cy="0"/>
+          <a:chOff x="0" y="0"/>
+          <a:chExt cx="0" cy="0"/>
+        </a:xfrm>
+      </p:grpSpPr>
+      <p:sp>
+        <p:nvSpPr>
+          <p:cNvPr id="5" name="Marcador de número de diapositiva 4">
+            <a:extLst>
+              <a:ext uri="{FF2B5EF4-FFF2-40B4-BE49-F238E27FC236}">
+                <a16:creationId xmlns:a16="http://schemas.microsoft.com/office/drawing/2014/main" id="{CD934C94-1295-9720-A4C4-D6F085238A89}"/>
+              </a:ext>
+            </a:extLst>
+          </p:cNvPr>
+          <p:cNvSpPr>
+            <a:spLocks noGrp="1"/>
+          </p:cNvSpPr>
+          <p:nvPr>
+            <p:ph type="sldNum" sz="quarter" idx="12"/>
+          </p:nvPr>
+        </p:nvSpPr>
+        <p:spPr/>
+        <p:txBody>
+          <a:bodyPr/>
+          <a:lstStyle/>
+          <a:p>
+            <a:fld id="{E1BF4B5F-C7C2-9E4B-90D7-6F404CF8882D}" type="slidenum">
+              <a:rPr lang="es-ES" smtClean="0"/>
+              <a:t>14</a:t>
+            </a:fld>
+            <a:endParaRPr lang="es-ES"/>
+          </a:p>
+        </p:txBody>
+      </p:sp>
+    </p:spTree>
+    <p:extLst>
+      <p:ext uri="{BB962C8B-B14F-4D97-AF65-F5344CB8AC3E}">
+        <p14:creationId xmlns:p14="http://schemas.microsoft.com/office/powerpoint/2010/main" val="3153991101"/>
+      </p:ext>
+    </p:extLst>
+  </p:cSld>
+  <p:clrMapOvr>
+    <a:masterClrMapping/>
+  </p:clrMapOvr>
+</p:sld>
+</file>
+
+<file path=ppt/slides/slide15.xml><?xml version="1.0" encoding="utf-8"?>
+<p:sld xmlns:a="http://schemas.openxmlformats.org/drawingml/2006/main" xmlns:r="http://schemas.openxmlformats.org/officeDocument/2006/relationships" xmlns:p="http://schemas.openxmlformats.org/presentationml/2006/main">
+  <p:cSld>
+    <p:spTree>
+      <p:nvGrpSpPr>
+        <p:cNvPr id="1" name=""/>
+        <p:cNvGrpSpPr/>
+        <p:nvPr/>
+      </p:nvGrpSpPr>
+      <p:grpSpPr>
+        <a:xfrm>
+          <a:off x="0" y="0"/>
+          <a:ext cx="0" cy="0"/>
+          <a:chOff x="0" y="0"/>
+          <a:chExt cx="0" cy="0"/>
+        </a:xfrm>
+      </p:grpSpPr>
+      <p:sp>
+        <p:nvSpPr>
+          <p:cNvPr id="5" name="Marcador de número de diapositiva 4">
+            <a:extLst>
+              <a:ext uri="{FF2B5EF4-FFF2-40B4-BE49-F238E27FC236}">
+                <a16:creationId xmlns:a16="http://schemas.microsoft.com/office/drawing/2014/main" id="{CD934C94-1295-9720-A4C4-D6F085238A89}"/>
+              </a:ext>
+            </a:extLst>
+          </p:cNvPr>
+          <p:cNvSpPr>
+            <a:spLocks noGrp="1"/>
+          </p:cNvSpPr>
+          <p:nvPr>
+            <p:ph type="sldNum" sz="quarter" idx="12"/>
+          </p:nvPr>
+        </p:nvSpPr>
+        <p:spPr/>
+        <p:txBody>
+          <a:bodyPr/>
+          <a:lstStyle/>
+          <a:p>
+            <a:fld id="{E1BF4B5F-C7C2-9E4B-90D7-6F404CF8882D}" type="slidenum">
+              <a:rPr lang="es-ES" smtClean="0"/>
+              <a:t>15</a:t>
+            </a:fld>
+            <a:endParaRPr lang="es-ES"/>
+          </a:p>
+        </p:txBody>
+      </p:sp>
+    </p:spTree>
+    <p:extLst>
+      <p:ext uri="{BB962C8B-B14F-4D97-AF65-F5344CB8AC3E}">
+        <p14:creationId xmlns:p14="http://schemas.microsoft.com/office/powerpoint/2010/main" val="3703038104"/>
       </p:ext>
     </p:extLst>
   </p:cSld>
@@ -11795,8 +12279,8 @@
         </p:blipFill>
         <p:spPr>
           <a:xfrm>
-            <a:off x="5507635" y="230360"/>
-            <a:ext cx="6448411" cy="6125990"/>
+            <a:off x="6216392" y="1538701"/>
+            <a:ext cx="5137408" cy="4880537"/>
           </a:xfrm>
           <a:prstGeom prst="rect">
             <a:avLst/>
@@ -11849,6 +12333,36 @@
           </a:p>
         </p:txBody>
       </p:sp>
+      <p:pic>
+        <p:nvPicPr>
+          <p:cNvPr id="4" name="Imagen 3">
+            <a:extLst>
+              <a:ext uri="{FF2B5EF4-FFF2-40B4-BE49-F238E27FC236}">
+                <a16:creationId xmlns:a16="http://schemas.microsoft.com/office/drawing/2014/main" id="{118C9036-9B6E-1332-76D9-F1269F97A5C9}"/>
+              </a:ext>
+            </a:extLst>
+          </p:cNvPr>
+          <p:cNvPicPr>
+            <a:picLocks noChangeAspect="1"/>
+          </p:cNvPicPr>
+          <p:nvPr/>
+        </p:nvPicPr>
+        <p:blipFill>
+          <a:blip r:embed="rId3"/>
+          <a:stretch>
+            <a:fillRect/>
+          </a:stretch>
+        </p:blipFill>
+        <p:spPr>
+          <a:xfrm>
+            <a:off x="5098839" y="74196"/>
+            <a:ext cx="6996775" cy="1251568"/>
+          </a:xfrm>
+          <a:prstGeom prst="rect">
+            <a:avLst/>
+          </a:prstGeom>
+        </p:spPr>
+      </p:pic>
     </p:spTree>
     <p:extLst>
       <p:ext uri="{BB962C8B-B14F-4D97-AF65-F5344CB8AC3E}">

--- a/Fundamentos LLMs - notas.pptx
+++ b/Fundamentos LLMs - notas.pptx
@@ -132,7 +132,7 @@
 <file path=ppt/revisionInfo.xml><?xml version="1.0" encoding="utf-8"?>
 <p1510:revInfo xmlns:a="http://schemas.openxmlformats.org/drawingml/2006/main" xmlns:r="http://schemas.openxmlformats.org/officeDocument/2006/relationships" xmlns:p1510="http://schemas.microsoft.com/office/powerpoint/2015/10/main">
   <p1510:revLst>
-    <p1510:client id="{57C78E6D-457D-EA4D-8FEF-1E7F23749579}" v="1" dt="2024-01-05T13:10:39.749"/>
+    <p1510:client id="{57C78E6D-457D-EA4D-8FEF-1E7F23749579}" v="2" dt="2024-01-09T16:30:44.749"/>
   </p1510:revLst>
 </p1510:revInfo>
 </file>
@@ -142,7 +142,7 @@
   <pc:docChgLst>
     <pc:chgData name="Germán CM" userId="0a866f0db4a55830" providerId="LiveId" clId="{57C78E6D-457D-EA4D-8FEF-1E7F23749579}"/>
     <pc:docChg chg="custSel addSld delSld modSld">
-      <pc:chgData name="Germán CM" userId="0a866f0db4a55830" providerId="LiveId" clId="{57C78E6D-457D-EA4D-8FEF-1E7F23749579}" dt="2024-01-05T13:10:58.356" v="21" actId="14100"/>
+      <pc:chgData name="Germán CM" userId="0a866f0db4a55830" providerId="LiveId" clId="{57C78E6D-457D-EA4D-8FEF-1E7F23749579}" dt="2024-01-09T16:30:48.429" v="24" actId="26606"/>
       <pc:docMkLst>
         <pc:docMk/>
       </pc:docMkLst>
@@ -169,8 +169,8 @@
           </ac:picMkLst>
         </pc:picChg>
       </pc:sldChg>
-      <pc:sldChg chg="delSp new mod">
-        <pc:chgData name="Germán CM" userId="0a866f0db4a55830" providerId="LiveId" clId="{57C78E6D-457D-EA4D-8FEF-1E7F23749579}" dt="2024-01-05T10:26:53.841" v="6" actId="478"/>
+      <pc:sldChg chg="addSp delSp modSp new mod setBg">
+        <pc:chgData name="Germán CM" userId="0a866f0db4a55830" providerId="LiveId" clId="{57C78E6D-457D-EA4D-8FEF-1E7F23749579}" dt="2024-01-09T16:30:48.429" v="24" actId="26606"/>
         <pc:sldMkLst>
           <pc:docMk/>
           <pc:sldMk cId="1669565517" sldId="266"/>
@@ -199,6 +199,78 @@
             <ac:spMk id="4" creationId="{1C729AEB-81D3-3CFC-03DB-BEFD51113D55}"/>
           </ac:spMkLst>
         </pc:spChg>
+        <pc:spChg chg="mod">
+          <ac:chgData name="Germán CM" userId="0a866f0db4a55830" providerId="LiveId" clId="{57C78E6D-457D-EA4D-8FEF-1E7F23749579}" dt="2024-01-09T16:30:48.429" v="24" actId="26606"/>
+          <ac:spMkLst>
+            <pc:docMk/>
+            <pc:sldMk cId="1669565517" sldId="266"/>
+            <ac:spMk id="5" creationId="{CD934C94-1295-9720-A4C4-D6F085238A89}"/>
+          </ac:spMkLst>
+        </pc:spChg>
+        <pc:spChg chg="add">
+          <ac:chgData name="Germán CM" userId="0a866f0db4a55830" providerId="LiveId" clId="{57C78E6D-457D-EA4D-8FEF-1E7F23749579}" dt="2024-01-09T16:30:48.429" v="24" actId="26606"/>
+          <ac:spMkLst>
+            <pc:docMk/>
+            <pc:sldMk cId="1669565517" sldId="266"/>
+            <ac:spMk id="10" creationId="{F3060C83-F051-4F0E-ABAD-AA0DFC48B218}"/>
+          </ac:spMkLst>
+        </pc:spChg>
+        <pc:spChg chg="add">
+          <ac:chgData name="Germán CM" userId="0a866f0db4a55830" providerId="LiveId" clId="{57C78E6D-457D-EA4D-8FEF-1E7F23749579}" dt="2024-01-09T16:30:48.429" v="24" actId="26606"/>
+          <ac:spMkLst>
+            <pc:docMk/>
+            <pc:sldMk cId="1669565517" sldId="266"/>
+            <ac:spMk id="12" creationId="{83C98ABE-055B-441F-B07E-44F97F083C39}"/>
+          </ac:spMkLst>
+        </pc:spChg>
+        <pc:spChg chg="add">
+          <ac:chgData name="Germán CM" userId="0a866f0db4a55830" providerId="LiveId" clId="{57C78E6D-457D-EA4D-8FEF-1E7F23749579}" dt="2024-01-09T16:30:48.429" v="24" actId="26606"/>
+          <ac:spMkLst>
+            <pc:docMk/>
+            <pc:sldMk cId="1669565517" sldId="266"/>
+            <ac:spMk id="14" creationId="{29FDB030-9B49-4CED-8CCD-4D99382388AC}"/>
+          </ac:spMkLst>
+        </pc:spChg>
+        <pc:spChg chg="add">
+          <ac:chgData name="Germán CM" userId="0a866f0db4a55830" providerId="LiveId" clId="{57C78E6D-457D-EA4D-8FEF-1E7F23749579}" dt="2024-01-09T16:30:48.429" v="24" actId="26606"/>
+          <ac:spMkLst>
+            <pc:docMk/>
+            <pc:sldMk cId="1669565517" sldId="266"/>
+            <ac:spMk id="16" creationId="{3783CA14-24A1-485C-8B30-D6A5D87987AD}"/>
+          </ac:spMkLst>
+        </pc:spChg>
+        <pc:spChg chg="add">
+          <ac:chgData name="Germán CM" userId="0a866f0db4a55830" providerId="LiveId" clId="{57C78E6D-457D-EA4D-8FEF-1E7F23749579}" dt="2024-01-09T16:30:48.429" v="24" actId="26606"/>
+          <ac:spMkLst>
+            <pc:docMk/>
+            <pc:sldMk cId="1669565517" sldId="266"/>
+            <ac:spMk id="18" creationId="{9A97C86A-04D6-40F7-AE84-31AB43E6A846}"/>
+          </ac:spMkLst>
+        </pc:spChg>
+        <pc:spChg chg="add">
+          <ac:chgData name="Germán CM" userId="0a866f0db4a55830" providerId="LiveId" clId="{57C78E6D-457D-EA4D-8FEF-1E7F23749579}" dt="2024-01-09T16:30:48.429" v="24" actId="26606"/>
+          <ac:spMkLst>
+            <pc:docMk/>
+            <pc:sldMk cId="1669565517" sldId="266"/>
+            <ac:spMk id="20" creationId="{FF9F2414-84E8-453E-B1F3-389FDE8192D9}"/>
+          </ac:spMkLst>
+        </pc:spChg>
+        <pc:spChg chg="add">
+          <ac:chgData name="Germán CM" userId="0a866f0db4a55830" providerId="LiveId" clId="{57C78E6D-457D-EA4D-8FEF-1E7F23749579}" dt="2024-01-09T16:30:48.429" v="24" actId="26606"/>
+          <ac:spMkLst>
+            <pc:docMk/>
+            <pc:sldMk cId="1669565517" sldId="266"/>
+            <ac:spMk id="22" creationId="{3ECA69A1-7536-43AC-85EF-C7106179F5ED}"/>
+          </ac:spMkLst>
+        </pc:spChg>
+        <pc:picChg chg="add mod">
+          <ac:chgData name="Germán CM" userId="0a866f0db4a55830" providerId="LiveId" clId="{57C78E6D-457D-EA4D-8FEF-1E7F23749579}" dt="2024-01-09T16:30:48.429" v="24" actId="26606"/>
+          <ac:picMkLst>
+            <pc:docMk/>
+            <pc:sldMk cId="1669565517" sldId="266"/>
+            <ac:picMk id="2" creationId="{1FCE0780-EC2E-EE80-2375-883F7EE67717}"/>
+          </ac:picMkLst>
+        </pc:picChg>
       </pc:sldChg>
       <pc:sldChg chg="add del mod modShow">
         <pc:chgData name="Germán CM" userId="0a866f0db4a55830" providerId="LiveId" clId="{57C78E6D-457D-EA4D-8FEF-1E7F23749579}" dt="2024-01-05T10:27:19.575" v="13" actId="2696"/>
@@ -399,7 +471,7 @@
           <a:p>
             <a:fld id="{648AA881-3FDA-0B48-8DAF-71E0D6D801EC}" type="datetimeFigureOut">
               <a:rPr lang="es-ES" smtClean="0"/>
-              <a:t>5/1/24</a:t>
+              <a:t>9/1/24</a:t>
             </a:fld>
             <a:endParaRPr lang="es-ES"/>
           </a:p>
@@ -813,7 +885,7 @@
           <a:p>
             <a:fld id="{1A2F7A95-64E5-B241-AB21-FBAF0F8EA678}" type="datetime1">
               <a:rPr lang="es-ES" smtClean="0"/>
-              <a:t>5/1/24</a:t>
+              <a:t>9/1/24</a:t>
             </a:fld>
             <a:endParaRPr lang="es-ES"/>
           </a:p>
@@ -1011,7 +1083,7 @@
           <a:p>
             <a:fld id="{795B9DBE-430E-444B-8DFB-BFE5DEE66557}" type="datetime1">
               <a:rPr lang="es-ES" smtClean="0"/>
-              <a:t>5/1/24</a:t>
+              <a:t>9/1/24</a:t>
             </a:fld>
             <a:endParaRPr lang="es-ES"/>
           </a:p>
@@ -1219,7 +1291,7 @@
           <a:p>
             <a:fld id="{70594308-AA67-FB49-A8EE-4ABF134EA806}" type="datetime1">
               <a:rPr lang="es-ES" smtClean="0"/>
-              <a:t>5/1/24</a:t>
+              <a:t>9/1/24</a:t>
             </a:fld>
             <a:endParaRPr lang="es-ES"/>
           </a:p>
@@ -1417,7 +1489,7 @@
           <a:p>
             <a:fld id="{509C9493-8728-FC48-9C05-E7E39331A34C}" type="datetime1">
               <a:rPr lang="es-ES" smtClean="0"/>
-              <a:t>5/1/24</a:t>
+              <a:t>9/1/24</a:t>
             </a:fld>
             <a:endParaRPr lang="es-ES"/>
           </a:p>
@@ -1692,7 +1764,7 @@
           <a:p>
             <a:fld id="{EE87F88B-D8E3-A141-A2ED-99B5364CF763}" type="datetime1">
               <a:rPr lang="es-ES" smtClean="0"/>
-              <a:t>5/1/24</a:t>
+              <a:t>9/1/24</a:t>
             </a:fld>
             <a:endParaRPr lang="es-ES"/>
           </a:p>
@@ -1957,7 +2029,7 @@
           <a:p>
             <a:fld id="{C3574AD6-71DF-5141-87A0-ACAA56BD6C85}" type="datetime1">
               <a:rPr lang="es-ES" smtClean="0"/>
-              <a:t>5/1/24</a:t>
+              <a:t>9/1/24</a:t>
             </a:fld>
             <a:endParaRPr lang="es-ES"/>
           </a:p>
@@ -2369,7 +2441,7 @@
           <a:p>
             <a:fld id="{A9C0DF35-BA66-8748-B723-1C1EC8D54C25}" type="datetime1">
               <a:rPr lang="es-ES" smtClean="0"/>
-              <a:t>5/1/24</a:t>
+              <a:t>9/1/24</a:t>
             </a:fld>
             <a:endParaRPr lang="es-ES"/>
           </a:p>
@@ -2510,7 +2582,7 @@
           <a:p>
             <a:fld id="{34DA43F9-37CD-604C-BE59-6515BF91BE05}" type="datetime1">
               <a:rPr lang="es-ES" smtClean="0"/>
-              <a:t>5/1/24</a:t>
+              <a:t>9/1/24</a:t>
             </a:fld>
             <a:endParaRPr lang="es-ES"/>
           </a:p>
@@ -2623,7 +2695,7 @@
           <a:p>
             <a:fld id="{2DD5F506-157B-934B-B573-06DF181D86DA}" type="datetime1">
               <a:rPr lang="es-ES" smtClean="0"/>
-              <a:t>5/1/24</a:t>
+              <a:t>9/1/24</a:t>
             </a:fld>
             <a:endParaRPr lang="es-ES"/>
           </a:p>
@@ -2934,7 +3006,7 @@
           <a:p>
             <a:fld id="{728B000E-52F1-7843-AB8B-8A891D4666B7}" type="datetime1">
               <a:rPr lang="es-ES" smtClean="0"/>
-              <a:t>5/1/24</a:t>
+              <a:t>9/1/24</a:t>
             </a:fld>
             <a:endParaRPr lang="es-ES"/>
           </a:p>
@@ -3222,7 +3294,7 @@
           <a:p>
             <a:fld id="{1586B3A7-6757-8841-9979-038B2E9640DA}" type="datetime1">
               <a:rPr lang="es-ES" smtClean="0"/>
-              <a:t>5/1/24</a:t>
+              <a:t>9/1/24</a:t>
             </a:fld>
             <a:endParaRPr lang="es-ES"/>
           </a:p>
@@ -3463,7 +3535,7 @@
           <a:p>
             <a:fld id="{4CBA97CB-A923-524C-AACD-CD88CFA4511E}" type="datetime1">
               <a:rPr lang="es-ES" smtClean="0"/>
-              <a:t>5/1/24</a:t>
+              <a:t>9/1/24</a:t>
             </a:fld>
             <a:endParaRPr lang="es-ES"/>
           </a:p>
@@ -6956,6 +7028,14 @@
 <file path=ppt/slides/slide10.xml><?xml version="1.0" encoding="utf-8"?>
 <p:sld xmlns:a="http://schemas.openxmlformats.org/drawingml/2006/main" xmlns:r="http://schemas.openxmlformats.org/officeDocument/2006/relationships" xmlns:p="http://schemas.openxmlformats.org/presentationml/2006/main">
   <p:cSld>
+    <p:bg>
+      <p:bgPr>
+        <a:solidFill>
+          <a:schemeClr val="bg1"/>
+        </a:solidFill>
+        <a:effectLst/>
+      </p:bgPr>
+    </p:bg>
     <p:spTree>
       <p:nvGrpSpPr>
         <p:cNvPr id="1" name=""/>
@@ -6972,6 +7052,425 @@
       </p:grpSpPr>
       <p:sp>
         <p:nvSpPr>
+          <p:cNvPr id="10" name="Rectangle 9">
+            <a:extLst>
+              <a:ext uri="{FF2B5EF4-FFF2-40B4-BE49-F238E27FC236}">
+                <a16:creationId xmlns:a16="http://schemas.microsoft.com/office/drawing/2014/main" id="{F3060C83-F051-4F0E-ABAD-AA0DFC48B218}"/>
+              </a:ext>
+              <a:ext uri="{C183D7F6-B498-43B3-948B-1728B52AA6E4}">
+                <adec:decorative xmlns:adec="http://schemas.microsoft.com/office/drawing/2017/decorative" val="1"/>
+              </a:ext>
+            </a:extLst>
+          </p:cNvPr>
+          <p:cNvSpPr>
+            <a:spLocks noGrp="1" noRot="1" noChangeAspect="1" noMove="1" noResize="1" noEditPoints="1" noAdjustHandles="1" noChangeArrowheads="1" noChangeShapeType="1" noTextEdit="1"/>
+          </p:cNvSpPr>
+          <p:nvPr>
+            <p:extLst>
+              <p:ext uri="{386F3935-93C4-4BCD-93E2-E3B085C9AB24}">
+                <p16:designElem xmlns:p16="http://schemas.microsoft.com/office/powerpoint/2015/main" val="1"/>
+              </p:ext>
+            </p:extLst>
+          </p:nvPr>
+        </p:nvSpPr>
+        <p:spPr>
+          <a:xfrm>
+            <a:off x="0" y="0"/>
+            <a:ext cx="12192000" cy="6858000"/>
+          </a:xfrm>
+          <a:prstGeom prst="rect">
+            <a:avLst/>
+          </a:prstGeom>
+          <a:solidFill>
+            <a:schemeClr val="bg1"/>
+          </a:solidFill>
+          <a:ln>
+            <a:noFill/>
+          </a:ln>
+        </p:spPr>
+        <p:style>
+          <a:lnRef idx="2">
+            <a:schemeClr val="accent1">
+              <a:shade val="50000"/>
+            </a:schemeClr>
+          </a:lnRef>
+          <a:fillRef idx="1">
+            <a:schemeClr val="accent1"/>
+          </a:fillRef>
+          <a:effectRef idx="0">
+            <a:schemeClr val="accent1"/>
+          </a:effectRef>
+          <a:fontRef idx="minor">
+            <a:schemeClr val="lt1"/>
+          </a:fontRef>
+        </p:style>
+        <p:txBody>
+          <a:bodyPr rtlCol="0" anchor="ctr"/>
+          <a:lstStyle/>
+          <a:p>
+            <a:pPr algn="ctr"/>
+            <a:endParaRPr lang="en-US" dirty="0"/>
+          </a:p>
+        </p:txBody>
+      </p:sp>
+      <p:sp>
+        <p:nvSpPr>
+          <p:cNvPr id="12" name="Freeform: Shape 11">
+            <a:extLst>
+              <a:ext uri="{FF2B5EF4-FFF2-40B4-BE49-F238E27FC236}">
+                <a16:creationId xmlns:a16="http://schemas.microsoft.com/office/drawing/2014/main" id="{83C98ABE-055B-441F-B07E-44F97F083C39}"/>
+              </a:ext>
+              <a:ext uri="{C183D7F6-B498-43B3-948B-1728B52AA6E4}">
+                <adec:decorative xmlns:adec="http://schemas.microsoft.com/office/drawing/2017/decorative" val="1"/>
+              </a:ext>
+            </a:extLst>
+          </p:cNvPr>
+          <p:cNvSpPr>
+            <a:spLocks noGrp="1" noRot="1" noChangeAspect="1" noMove="1" noResize="1" noEditPoints="1" noAdjustHandles="1" noChangeArrowheads="1" noChangeShapeType="1" noTextEdit="1"/>
+          </p:cNvSpPr>
+          <p:nvPr>
+            <p:extLst>
+              <p:ext uri="{386F3935-93C4-4BCD-93E2-E3B085C9AB24}">
+                <p16:designElem xmlns:p16="http://schemas.microsoft.com/office/powerpoint/2015/main" val="1"/>
+              </p:ext>
+            </p:extLst>
+          </p:nvPr>
+        </p:nvSpPr>
+        <p:spPr>
+          <a:xfrm rot="18900000" flipH="1">
+            <a:off x="-376156" y="-253670"/>
+            <a:ext cx="1827638" cy="1376989"/>
+          </a:xfrm>
+          <a:custGeom>
+            <a:avLst/>
+            <a:gdLst>
+              <a:gd name="connsiteX0" fmla="*/ 0 w 1827638"/>
+              <a:gd name="connsiteY0" fmla="*/ 987379 h 1376989"/>
+              <a:gd name="connsiteX1" fmla="*/ 987379 w 1827638"/>
+              <a:gd name="connsiteY1" fmla="*/ 0 h 1376989"/>
+              <a:gd name="connsiteX2" fmla="*/ 1827638 w 1827638"/>
+              <a:gd name="connsiteY2" fmla="*/ 840260 h 1376989"/>
+              <a:gd name="connsiteX3" fmla="*/ 1827638 w 1827638"/>
+              <a:gd name="connsiteY3" fmla="*/ 1376989 h 1376989"/>
+              <a:gd name="connsiteX4" fmla="*/ 0 w 1827638"/>
+              <a:gd name="connsiteY4" fmla="*/ 1376989 h 1376989"/>
+            </a:gdLst>
+            <a:ahLst/>
+            <a:cxnLst>
+              <a:cxn ang="0">
+                <a:pos x="connsiteX0" y="connsiteY0"/>
+              </a:cxn>
+              <a:cxn ang="0">
+                <a:pos x="connsiteX1" y="connsiteY1"/>
+              </a:cxn>
+              <a:cxn ang="0">
+                <a:pos x="connsiteX2" y="connsiteY2"/>
+              </a:cxn>
+              <a:cxn ang="0">
+                <a:pos x="connsiteX3" y="connsiteY3"/>
+              </a:cxn>
+              <a:cxn ang="0">
+                <a:pos x="connsiteX4" y="connsiteY4"/>
+              </a:cxn>
+            </a:cxnLst>
+            <a:rect l="l" t="t" r="r" b="b"/>
+            <a:pathLst>
+              <a:path w="1827638" h="1376989">
+                <a:moveTo>
+                  <a:pt x="0" y="987379"/>
+                </a:moveTo>
+                <a:lnTo>
+                  <a:pt x="987379" y="0"/>
+                </a:lnTo>
+                <a:lnTo>
+                  <a:pt x="1827638" y="840260"/>
+                </a:lnTo>
+                <a:lnTo>
+                  <a:pt x="1827638" y="1376989"/>
+                </a:lnTo>
+                <a:lnTo>
+                  <a:pt x="0" y="1376989"/>
+                </a:lnTo>
+                <a:close/>
+              </a:path>
+            </a:pathLst>
+          </a:custGeom>
+          <a:solidFill>
+            <a:schemeClr val="accent1">
+              <a:alpha val="30000"/>
+            </a:schemeClr>
+          </a:solidFill>
+          <a:ln>
+            <a:noFill/>
+          </a:ln>
+        </p:spPr>
+        <p:style>
+          <a:lnRef idx="2">
+            <a:schemeClr val="accent1">
+              <a:shade val="50000"/>
+            </a:schemeClr>
+          </a:lnRef>
+          <a:fillRef idx="1">
+            <a:schemeClr val="accent1"/>
+          </a:fillRef>
+          <a:effectRef idx="0">
+            <a:schemeClr val="accent1"/>
+          </a:effectRef>
+          <a:fontRef idx="minor">
+            <a:schemeClr val="lt1"/>
+          </a:fontRef>
+        </p:style>
+        <p:txBody>
+          <a:bodyPr rtlCol="0" anchor="ctr"/>
+          <a:lstStyle/>
+          <a:p>
+            <a:pPr algn="ctr"/>
+            <a:endParaRPr lang="en-US" dirty="0"/>
+          </a:p>
+        </p:txBody>
+      </p:sp>
+      <p:sp>
+        <p:nvSpPr>
+          <p:cNvPr id="14" name="Rectangle 13">
+            <a:extLst>
+              <a:ext uri="{FF2B5EF4-FFF2-40B4-BE49-F238E27FC236}">
+                <a16:creationId xmlns:a16="http://schemas.microsoft.com/office/drawing/2014/main" id="{29FDB030-9B49-4CED-8CCD-4D99382388AC}"/>
+              </a:ext>
+              <a:ext uri="{C183D7F6-B498-43B3-948B-1728B52AA6E4}">
+                <adec:decorative xmlns:adec="http://schemas.microsoft.com/office/drawing/2017/decorative" val="1"/>
+              </a:ext>
+            </a:extLst>
+          </p:cNvPr>
+          <p:cNvSpPr>
+            <a:spLocks noGrp="1" noRot="1" noChangeAspect="1" noMove="1" noResize="1" noEditPoints="1" noAdjustHandles="1" noChangeArrowheads="1" noChangeShapeType="1" noTextEdit="1"/>
+          </p:cNvSpPr>
+          <p:nvPr>
+            <p:extLst>
+              <p:ext uri="{386F3935-93C4-4BCD-93E2-E3B085C9AB24}">
+                <p16:designElem xmlns:p16="http://schemas.microsoft.com/office/powerpoint/2015/main" val="1"/>
+              </p:ext>
+            </p:extLst>
+          </p:nvPr>
+        </p:nvSpPr>
+        <p:spPr>
+          <a:xfrm rot="18900000" flipH="1">
+            <a:off x="891641" y="422146"/>
+            <a:ext cx="645368" cy="645368"/>
+          </a:xfrm>
+          <a:prstGeom prst="rect">
+            <a:avLst/>
+          </a:prstGeom>
+          <a:solidFill>
+            <a:schemeClr val="accent1">
+              <a:alpha val="30000"/>
+            </a:schemeClr>
+          </a:solidFill>
+          <a:ln>
+            <a:noFill/>
+          </a:ln>
+        </p:spPr>
+        <p:style>
+          <a:lnRef idx="2">
+            <a:schemeClr val="accent1">
+              <a:shade val="50000"/>
+            </a:schemeClr>
+          </a:lnRef>
+          <a:fillRef idx="1">
+            <a:schemeClr val="accent1"/>
+          </a:fillRef>
+          <a:effectRef idx="0">
+            <a:schemeClr val="accent1"/>
+          </a:effectRef>
+          <a:fontRef idx="minor">
+            <a:schemeClr val="lt1"/>
+          </a:fontRef>
+        </p:style>
+        <p:txBody>
+          <a:bodyPr rtlCol="0" anchor="ctr"/>
+          <a:lstStyle/>
+          <a:p>
+            <a:pPr algn="ctr"/>
+            <a:endParaRPr lang="en-US"/>
+          </a:p>
+        </p:txBody>
+      </p:sp>
+      <p:sp>
+        <p:nvSpPr>
+          <p:cNvPr id="16" name="Rectangle 15">
+            <a:extLst>
+              <a:ext uri="{FF2B5EF4-FFF2-40B4-BE49-F238E27FC236}">
+                <a16:creationId xmlns:a16="http://schemas.microsoft.com/office/drawing/2014/main" id="{3783CA14-24A1-485C-8B30-D6A5D87987AD}"/>
+              </a:ext>
+              <a:ext uri="{C183D7F6-B498-43B3-948B-1728B52AA6E4}">
+                <adec:decorative xmlns:adec="http://schemas.microsoft.com/office/drawing/2017/decorative" val="1"/>
+              </a:ext>
+            </a:extLst>
+          </p:cNvPr>
+          <p:cNvSpPr>
+            <a:spLocks noGrp="1" noRot="1" noChangeAspect="1" noMove="1" noResize="1" noEditPoints="1" noAdjustHandles="1" noChangeArrowheads="1" noChangeShapeType="1" noTextEdit="1"/>
+          </p:cNvSpPr>
+          <p:nvPr>
+            <p:extLst>
+              <p:ext uri="{386F3935-93C4-4BCD-93E2-E3B085C9AB24}">
+                <p16:designElem xmlns:p16="http://schemas.microsoft.com/office/powerpoint/2015/main" val="1"/>
+              </p:ext>
+            </p:extLst>
+          </p:nvPr>
+        </p:nvSpPr>
+        <p:spPr>
+          <a:xfrm rot="18900000" flipH="1">
+            <a:off x="10043482" y="655140"/>
+            <a:ext cx="687472" cy="687472"/>
+          </a:xfrm>
+          <a:prstGeom prst="rect">
+            <a:avLst/>
+          </a:prstGeom>
+          <a:solidFill>
+            <a:schemeClr val="accent4">
+              <a:alpha val="30000"/>
+            </a:schemeClr>
+          </a:solidFill>
+          <a:ln>
+            <a:noFill/>
+          </a:ln>
+        </p:spPr>
+        <p:style>
+          <a:lnRef idx="2">
+            <a:schemeClr val="accent1">
+              <a:shade val="50000"/>
+            </a:schemeClr>
+          </a:lnRef>
+          <a:fillRef idx="1">
+            <a:schemeClr val="accent1"/>
+          </a:fillRef>
+          <a:effectRef idx="0">
+            <a:schemeClr val="accent1"/>
+          </a:effectRef>
+          <a:fontRef idx="minor">
+            <a:schemeClr val="lt1"/>
+          </a:fontRef>
+        </p:style>
+        <p:txBody>
+          <a:bodyPr rtlCol="0" anchor="ctr"/>
+          <a:lstStyle/>
+          <a:p>
+            <a:pPr algn="ctr"/>
+            <a:endParaRPr lang="en-US"/>
+          </a:p>
+        </p:txBody>
+      </p:sp>
+      <p:sp>
+        <p:nvSpPr>
+          <p:cNvPr id="18" name="Freeform: Shape 17">
+            <a:extLst>
+              <a:ext uri="{FF2B5EF4-FFF2-40B4-BE49-F238E27FC236}">
+                <a16:creationId xmlns:a16="http://schemas.microsoft.com/office/drawing/2014/main" id="{9A97C86A-04D6-40F7-AE84-31AB43E6A846}"/>
+              </a:ext>
+              <a:ext uri="{C183D7F6-B498-43B3-948B-1728B52AA6E4}">
+                <adec:decorative xmlns:adec="http://schemas.microsoft.com/office/drawing/2017/decorative" val="1"/>
+              </a:ext>
+            </a:extLst>
+          </p:cNvPr>
+          <p:cNvSpPr>
+            <a:spLocks noGrp="1" noRot="1" noChangeAspect="1" noMove="1" noResize="1" noEditPoints="1" noAdjustHandles="1" noChangeArrowheads="1" noChangeShapeType="1" noTextEdit="1"/>
+          </p:cNvSpPr>
+          <p:nvPr>
+            <p:extLst>
+              <p:ext uri="{386F3935-93C4-4BCD-93E2-E3B085C9AB24}">
+                <p16:designElem xmlns:p16="http://schemas.microsoft.com/office/powerpoint/2015/main" val="1"/>
+              </p:ext>
+            </p:extLst>
+          </p:nvPr>
+        </p:nvSpPr>
+        <p:spPr>
+          <a:xfrm rot="10800000" flipH="1">
+            <a:off x="9356643" y="0"/>
+            <a:ext cx="2835357" cy="1480837"/>
+          </a:xfrm>
+          <a:custGeom>
+            <a:avLst/>
+            <a:gdLst>
+              <a:gd name="connsiteX0" fmla="*/ 2835357 w 2835357"/>
+              <a:gd name="connsiteY0" fmla="*/ 1480837 h 1480837"/>
+              <a:gd name="connsiteX1" fmla="*/ 0 w 2835357"/>
+              <a:gd name="connsiteY1" fmla="*/ 1480837 h 1480837"/>
+              <a:gd name="connsiteX2" fmla="*/ 1552727 w 2835357"/>
+              <a:gd name="connsiteY2" fmla="*/ 0 h 1480837"/>
+              <a:gd name="connsiteX3" fmla="*/ 2835357 w 2835357"/>
+              <a:gd name="connsiteY3" fmla="*/ 1223245 h 1480837"/>
+            </a:gdLst>
+            <a:ahLst/>
+            <a:cxnLst>
+              <a:cxn ang="0">
+                <a:pos x="connsiteX0" y="connsiteY0"/>
+              </a:cxn>
+              <a:cxn ang="0">
+                <a:pos x="connsiteX1" y="connsiteY1"/>
+              </a:cxn>
+              <a:cxn ang="0">
+                <a:pos x="connsiteX2" y="connsiteY2"/>
+              </a:cxn>
+              <a:cxn ang="0">
+                <a:pos x="connsiteX3" y="connsiteY3"/>
+              </a:cxn>
+            </a:cxnLst>
+            <a:rect l="l" t="t" r="r" b="b"/>
+            <a:pathLst>
+              <a:path w="2835357" h="1480837">
+                <a:moveTo>
+                  <a:pt x="2835357" y="1480837"/>
+                </a:moveTo>
+                <a:lnTo>
+                  <a:pt x="0" y="1480837"/>
+                </a:lnTo>
+                <a:lnTo>
+                  <a:pt x="1552727" y="0"/>
+                </a:lnTo>
+                <a:lnTo>
+                  <a:pt x="2835357" y="1223245"/>
+                </a:lnTo>
+                <a:close/>
+              </a:path>
+            </a:pathLst>
+          </a:custGeom>
+          <a:solidFill>
+            <a:schemeClr val="accent4">
+              <a:alpha val="30000"/>
+            </a:schemeClr>
+          </a:solidFill>
+          <a:ln>
+            <a:noFill/>
+          </a:ln>
+        </p:spPr>
+        <p:style>
+          <a:lnRef idx="2">
+            <a:schemeClr val="accent1">
+              <a:shade val="50000"/>
+            </a:schemeClr>
+          </a:lnRef>
+          <a:fillRef idx="1">
+            <a:schemeClr val="accent1"/>
+          </a:fillRef>
+          <a:effectRef idx="0">
+            <a:schemeClr val="accent1"/>
+          </a:effectRef>
+          <a:fontRef idx="minor">
+            <a:schemeClr val="lt1"/>
+          </a:fontRef>
+        </p:style>
+        <p:txBody>
+          <a:bodyPr wrap="square" rtlCol="0" anchor="ctr">
+            <a:noAutofit/>
+          </a:bodyPr>
+          <a:lstStyle/>
+          <a:p>
+            <a:pPr algn="ctr"/>
+            <a:endParaRPr lang="en-US" dirty="0"/>
+          </a:p>
+        </p:txBody>
+      </p:sp>
+      <p:sp>
+        <p:nvSpPr>
           <p:cNvPr id="5" name="Marcador de número de diapositiva 4">
             <a:extLst>
               <a:ext uri="{FF2B5EF4-FFF2-40B4-BE49-F238E27FC236}">
@@ -6986,16 +7485,196 @@
             <p:ph type="sldNum" sz="quarter" idx="12"/>
           </p:nvPr>
         </p:nvSpPr>
-        <p:spPr/>
+        <p:spPr>
+          <a:xfrm>
+            <a:off x="8805333" y="6356350"/>
+            <a:ext cx="2743200" cy="365125"/>
+          </a:xfrm>
+        </p:spPr>
         <p:txBody>
-          <a:bodyPr/>
+          <a:bodyPr vert="horz" lIns="91440" tIns="45720" rIns="91440" bIns="45720" rtlCol="0" anchor="ctr">
+            <a:normAutofit/>
+          </a:bodyPr>
           <a:lstStyle/>
           <a:p>
+            <a:pPr>
+              <a:spcAft>
+                <a:spcPts val="600"/>
+              </a:spcAft>
+            </a:pPr>
             <a:fld id="{E1BF4B5F-C7C2-9E4B-90D7-6F404CF8882D}" type="slidenum">
-              <a:rPr lang="es-ES" smtClean="0"/>
+              <a:rPr lang="en-US" smtClean="0"/>
+              <a:pPr>
+                <a:spcAft>
+                  <a:spcPts val="600"/>
+                </a:spcAft>
+              </a:pPr>
               <a:t>10</a:t>
             </a:fld>
-            <a:endParaRPr lang="es-ES"/>
+            <a:endParaRPr lang="en-US"/>
+          </a:p>
+        </p:txBody>
+      </p:sp>
+      <p:sp>
+        <p:nvSpPr>
+          <p:cNvPr id="20" name="Isosceles Triangle 19">
+            <a:extLst>
+              <a:ext uri="{FF2B5EF4-FFF2-40B4-BE49-F238E27FC236}">
+                <a16:creationId xmlns:a16="http://schemas.microsoft.com/office/drawing/2014/main" id="{FF9F2414-84E8-453E-B1F3-389FDE8192D9}"/>
+              </a:ext>
+              <a:ext uri="{C183D7F6-B498-43B3-948B-1728B52AA6E4}">
+                <adec:decorative xmlns:adec="http://schemas.microsoft.com/office/drawing/2017/decorative" val="1"/>
+              </a:ext>
+            </a:extLst>
+          </p:cNvPr>
+          <p:cNvSpPr>
+            <a:spLocks noGrp="1" noRot="1" noChangeAspect="1" noMove="1" noResize="1" noEditPoints="1" noAdjustHandles="1" noChangeArrowheads="1" noChangeShapeType="1" noTextEdit="1"/>
+          </p:cNvSpPr>
+          <p:nvPr>
+            <p:extLst>
+              <p:ext uri="{386F3935-93C4-4BCD-93E2-E3B085C9AB24}">
+                <p16:designElem xmlns:p16="http://schemas.microsoft.com/office/powerpoint/2015/main" val="1"/>
+              </p:ext>
+            </p:extLst>
+          </p:nvPr>
+        </p:nvSpPr>
+        <p:spPr>
+          <a:xfrm flipH="1">
+            <a:off x="7976344" y="6115501"/>
+            <a:ext cx="1494513" cy="742499"/>
+          </a:xfrm>
+          <a:prstGeom prst="triangle">
+            <a:avLst/>
+          </a:prstGeom>
+          <a:solidFill>
+            <a:schemeClr val="accent1">
+              <a:alpha val="30000"/>
+            </a:schemeClr>
+          </a:solidFill>
+          <a:ln>
+            <a:noFill/>
+          </a:ln>
+        </p:spPr>
+        <p:style>
+          <a:lnRef idx="2">
+            <a:schemeClr val="accent1">
+              <a:shade val="50000"/>
+            </a:schemeClr>
+          </a:lnRef>
+          <a:fillRef idx="1">
+            <a:schemeClr val="accent1"/>
+          </a:fillRef>
+          <a:effectRef idx="0">
+            <a:schemeClr val="accent1"/>
+          </a:effectRef>
+          <a:fontRef idx="minor">
+            <a:schemeClr val="lt1"/>
+          </a:fontRef>
+        </p:style>
+        <p:txBody>
+          <a:bodyPr rtlCol="0" anchor="ctr"/>
+          <a:lstStyle/>
+          <a:p>
+            <a:pPr algn="ctr"/>
+            <a:endParaRPr lang="en-US"/>
+          </a:p>
+        </p:txBody>
+      </p:sp>
+      <p:pic>
+        <p:nvPicPr>
+          <p:cNvPr id="2" name="Imagen 1">
+            <a:extLst>
+              <a:ext uri="{FF2B5EF4-FFF2-40B4-BE49-F238E27FC236}">
+                <a16:creationId xmlns:a16="http://schemas.microsoft.com/office/drawing/2014/main" id="{1FCE0780-EC2E-EE80-2375-883F7EE67717}"/>
+              </a:ext>
+            </a:extLst>
+          </p:cNvPr>
+          <p:cNvPicPr>
+            <a:picLocks noChangeAspect="1"/>
+          </p:cNvPicPr>
+          <p:nvPr/>
+        </p:nvPicPr>
+        <p:blipFill>
+          <a:blip r:embed="rId2"/>
+          <a:stretch>
+            <a:fillRect/>
+          </a:stretch>
+        </p:blipFill>
+        <p:spPr>
+          <a:xfrm>
+            <a:off x="643467" y="1138936"/>
+            <a:ext cx="10905066" cy="4580127"/>
+          </a:xfrm>
+          <a:prstGeom prst="rect">
+            <a:avLst/>
+          </a:prstGeom>
+          <a:ln>
+            <a:noFill/>
+          </a:ln>
+        </p:spPr>
+      </p:pic>
+      <p:sp>
+        <p:nvSpPr>
+          <p:cNvPr id="22" name="Isosceles Triangle 21">
+            <a:extLst>
+              <a:ext uri="{FF2B5EF4-FFF2-40B4-BE49-F238E27FC236}">
+                <a16:creationId xmlns:a16="http://schemas.microsoft.com/office/drawing/2014/main" id="{3ECA69A1-7536-43AC-85EF-C7106179F5ED}"/>
+              </a:ext>
+              <a:ext uri="{C183D7F6-B498-43B3-948B-1728B52AA6E4}">
+                <adec:decorative xmlns:adec="http://schemas.microsoft.com/office/drawing/2017/decorative" val="1"/>
+              </a:ext>
+            </a:extLst>
+          </p:cNvPr>
+          <p:cNvSpPr>
+            <a:spLocks noGrp="1" noRot="1" noChangeAspect="1" noMove="1" noResize="1" noEditPoints="1" noAdjustHandles="1" noChangeArrowheads="1" noChangeShapeType="1" noTextEdit="1"/>
+          </p:cNvSpPr>
+          <p:nvPr>
+            <p:extLst>
+              <p:ext uri="{386F3935-93C4-4BCD-93E2-E3B085C9AB24}">
+                <p16:designElem xmlns:p16="http://schemas.microsoft.com/office/powerpoint/2015/main" val="1"/>
+              </p:ext>
+            </p:extLst>
+          </p:nvPr>
+        </p:nvSpPr>
+        <p:spPr>
+          <a:xfrm flipH="1">
+            <a:off x="7604080" y="6453143"/>
+            <a:ext cx="814903" cy="404857"/>
+          </a:xfrm>
+          <a:prstGeom prst="triangle">
+            <a:avLst/>
+          </a:prstGeom>
+          <a:solidFill>
+            <a:schemeClr val="accent1">
+              <a:alpha val="30000"/>
+            </a:schemeClr>
+          </a:solidFill>
+          <a:ln>
+            <a:noFill/>
+          </a:ln>
+        </p:spPr>
+        <p:style>
+          <a:lnRef idx="2">
+            <a:schemeClr val="accent1">
+              <a:shade val="50000"/>
+            </a:schemeClr>
+          </a:lnRef>
+          <a:fillRef idx="1">
+            <a:schemeClr val="accent1"/>
+          </a:fillRef>
+          <a:effectRef idx="0">
+            <a:schemeClr val="accent1"/>
+          </a:effectRef>
+          <a:fontRef idx="minor">
+            <a:schemeClr val="lt1"/>
+          </a:fontRef>
+        </p:style>
+        <p:txBody>
+          <a:bodyPr rtlCol="0" anchor="ctr"/>
+          <a:lstStyle/>
+          <a:p>
+            <a:pPr algn="ctr"/>
+            <a:endParaRPr lang="en-US"/>
           </a:p>
         </p:txBody>
       </p:sp>
